--- a/RianBeale.pptx
+++ b/RianBeale.pptx
@@ -104,6 +104,11 @@
       </a:defRPr>
     </a:lvl9pPr>
   </p:defaultTextStyle>
+  <p:extLst>
+    <p:ext uri="{EFAFB233-063F-42B5-8137-9DF3F51BA10A}">
+      <p15:sldGuideLst xmlns:p15="http://schemas.microsoft.com/office/powerpoint/2012/main"/>
+    </p:ext>
+  </p:extLst>
 </p:presentation>
 </file>
 
@@ -3352,10 +3357,10 @@
       </p:grpSpPr>
       <p:pic>
         <p:nvPicPr>
-          <p:cNvPr id="5" name="Picture 4" descr="A picture containing cat&#10;&#10;Description automatically generated">
-            <a:extLst>
-              <a:ext uri="{FF2B5EF4-FFF2-40B4-BE49-F238E27FC236}">
-                <a16:creationId xmlns:a16="http://schemas.microsoft.com/office/drawing/2014/main" id="{0736C9DB-2D64-AA47-B52E-FC788331ED9F}"/>
+          <p:cNvPr id="3" name="Picture 2" descr="A picture containing clock, room&#10;&#10;Description automatically generated">
+            <a:extLst>
+              <a:ext uri="{FF2B5EF4-FFF2-40B4-BE49-F238E27FC236}">
+                <a16:creationId xmlns:a16="http://schemas.microsoft.com/office/drawing/2014/main" id="{71AF7DC8-E5B6-654F-861D-AEEC55A1F280}"/>
               </a:ext>
             </a:extLst>
           </p:cNvPr>
@@ -3366,13 +3371,13 @@
         </p:nvPicPr>
         <p:blipFill rotWithShape="1">
           <a:blip r:embed="rId2"/>
-          <a:srcRect r="9384" b="33153"/>
+          <a:srcRect r="12939"/>
           <a:stretch/>
         </p:blipFill>
         <p:spPr>
           <a:xfrm>
-            <a:off x="4302450" y="2273643"/>
-            <a:ext cx="7358209" cy="4584357"/>
+            <a:off x="-1" y="0"/>
+            <a:ext cx="12200853" cy="6858000"/>
           </a:xfrm>
           <a:prstGeom prst="rect">
             <a:avLst/>
@@ -3393,7 +3398,7 @@
         </p:nvSpPr>
         <p:spPr>
           <a:xfrm>
-            <a:off x="531341" y="5078627"/>
+            <a:off x="395417" y="2505670"/>
             <a:ext cx="4300151" cy="923330"/>
           </a:xfrm>
           <a:prstGeom prst="rect">
